--- a/annotations.pptx
+++ b/annotations.pptx
@@ -105,6 +105,11 @@
       </a:defRPr>
     </a:lvl9pPr>
   </p:defaultTextStyle>
+  <p:extLst>
+    <p:ext uri="{EFAFB233-063F-42B5-8137-9DF3F51BA10A}">
+      <p15:sldGuideLst xmlns:p15="http://schemas.microsoft.com/office/powerpoint/2012/main"/>
+    </p:ext>
+  </p:extLst>
 </p:presentation>
 </file>
 
@@ -257,7 +262,7 @@
           <a:p>
             <a:fld id="{AC60FCA8-C76D-4BFA-94B6-306151FF55CE}" type="datetimeFigureOut">
               <a:rPr lang="en-GB" smtClean="0"/>
-              <a:t>05/12/2023</a:t>
+              <a:t>01/02/2024</a:t>
             </a:fld>
             <a:endParaRPr lang="en-GB"/>
           </a:p>
@@ -457,7 +462,7 @@
           <a:p>
             <a:fld id="{AC60FCA8-C76D-4BFA-94B6-306151FF55CE}" type="datetimeFigureOut">
               <a:rPr lang="en-GB" smtClean="0"/>
-              <a:t>05/12/2023</a:t>
+              <a:t>01/02/2024</a:t>
             </a:fld>
             <a:endParaRPr lang="en-GB"/>
           </a:p>
@@ -667,7 +672,7 @@
           <a:p>
             <a:fld id="{AC60FCA8-C76D-4BFA-94B6-306151FF55CE}" type="datetimeFigureOut">
               <a:rPr lang="en-GB" smtClean="0"/>
-              <a:t>05/12/2023</a:t>
+              <a:t>01/02/2024</a:t>
             </a:fld>
             <a:endParaRPr lang="en-GB"/>
           </a:p>
@@ -867,7 +872,7 @@
           <a:p>
             <a:fld id="{AC60FCA8-C76D-4BFA-94B6-306151FF55CE}" type="datetimeFigureOut">
               <a:rPr lang="en-GB" smtClean="0"/>
-              <a:t>05/12/2023</a:t>
+              <a:t>01/02/2024</a:t>
             </a:fld>
             <a:endParaRPr lang="en-GB"/>
           </a:p>
@@ -1143,7 +1148,7 @@
           <a:p>
             <a:fld id="{AC60FCA8-C76D-4BFA-94B6-306151FF55CE}" type="datetimeFigureOut">
               <a:rPr lang="en-GB" smtClean="0"/>
-              <a:t>05/12/2023</a:t>
+              <a:t>01/02/2024</a:t>
             </a:fld>
             <a:endParaRPr lang="en-GB"/>
           </a:p>
@@ -1411,7 +1416,7 @@
           <a:p>
             <a:fld id="{AC60FCA8-C76D-4BFA-94B6-306151FF55CE}" type="datetimeFigureOut">
               <a:rPr lang="en-GB" smtClean="0"/>
-              <a:t>05/12/2023</a:t>
+              <a:t>01/02/2024</a:t>
             </a:fld>
             <a:endParaRPr lang="en-GB"/>
           </a:p>
@@ -1826,7 +1831,7 @@
           <a:p>
             <a:fld id="{AC60FCA8-C76D-4BFA-94B6-306151FF55CE}" type="datetimeFigureOut">
               <a:rPr lang="en-GB" smtClean="0"/>
-              <a:t>05/12/2023</a:t>
+              <a:t>01/02/2024</a:t>
             </a:fld>
             <a:endParaRPr lang="en-GB"/>
           </a:p>
@@ -1968,7 +1973,7 @@
           <a:p>
             <a:fld id="{AC60FCA8-C76D-4BFA-94B6-306151FF55CE}" type="datetimeFigureOut">
               <a:rPr lang="en-GB" smtClean="0"/>
-              <a:t>05/12/2023</a:t>
+              <a:t>01/02/2024</a:t>
             </a:fld>
             <a:endParaRPr lang="en-GB"/>
           </a:p>
@@ -2081,7 +2086,7 @@
           <a:p>
             <a:fld id="{AC60FCA8-C76D-4BFA-94B6-306151FF55CE}" type="datetimeFigureOut">
               <a:rPr lang="en-GB" smtClean="0"/>
-              <a:t>05/12/2023</a:t>
+              <a:t>01/02/2024</a:t>
             </a:fld>
             <a:endParaRPr lang="en-GB"/>
           </a:p>
@@ -2394,7 +2399,7 @@
           <a:p>
             <a:fld id="{AC60FCA8-C76D-4BFA-94B6-306151FF55CE}" type="datetimeFigureOut">
               <a:rPr lang="en-GB" smtClean="0"/>
-              <a:t>05/12/2023</a:t>
+              <a:t>01/02/2024</a:t>
             </a:fld>
             <a:endParaRPr lang="en-GB"/>
           </a:p>
@@ -2683,7 +2688,7 @@
           <a:p>
             <a:fld id="{AC60FCA8-C76D-4BFA-94B6-306151FF55CE}" type="datetimeFigureOut">
               <a:rPr lang="en-GB" smtClean="0"/>
-              <a:t>05/12/2023</a:t>
+              <a:t>01/02/2024</a:t>
             </a:fld>
             <a:endParaRPr lang="en-GB"/>
           </a:p>
@@ -2926,7 +2931,7 @@
           <a:p>
             <a:fld id="{AC60FCA8-C76D-4BFA-94B6-306151FF55CE}" type="datetimeFigureOut">
               <a:rPr lang="en-GB" smtClean="0"/>
-              <a:t>05/12/2023</a:t>
+              <a:t>01/02/2024</a:t>
             </a:fld>
             <a:endParaRPr lang="en-GB"/>
           </a:p>
@@ -3358,7 +3363,7 @@
           <p:nvPr/>
         </p:nvPicPr>
         <p:blipFill rotWithShape="1">
-          <a:blip r:embed="rId2">
+          <a:blip>
             <a:extLst>
               <a:ext uri="{28A0092B-C50C-407E-A947-70E740481C1C}">
                 <a14:useLocalDpi xmlns:a14="http://schemas.microsoft.com/office/drawing/2010/main" val="0"/>
@@ -4194,7 +4199,13 @@
   <p:cSld>
     <p:spTree>
       <p:nvGrpSpPr>
-        <p:cNvPr id="1" name=""/>
+        <p:cNvPr id="1" name="">
+          <a:extLst>
+            <a:ext uri="{FF2B5EF4-FFF2-40B4-BE49-F238E27FC236}">
+              <a16:creationId xmlns:a16="http://schemas.microsoft.com/office/drawing/2014/main" id="{356B7D75-E8D6-C89D-43B3-69DDB1408F38}"/>
+            </a:ext>
+          </a:extLst>
+        </p:cNvPr>
         <p:cNvGrpSpPr/>
         <p:nvPr/>
       </p:nvGrpSpPr>
@@ -4206,97 +4217,1022 @@
           <a:chExt cx="0" cy="0"/>
         </a:xfrm>
       </p:grpSpPr>
-      <p:sp>
-        <p:nvSpPr>
-          <p:cNvPr id="2" name="Title 1">
-            <a:extLst>
-              <a:ext uri="{FF2B5EF4-FFF2-40B4-BE49-F238E27FC236}">
-                <a16:creationId xmlns:a16="http://schemas.microsoft.com/office/drawing/2014/main" id="{F6A67AE2-C923-C922-0C86-9FCBE5C1EF72}"/>
-              </a:ext>
-            </a:extLst>
-          </p:cNvPr>
-          <p:cNvSpPr>
-            <a:spLocks noGrp="1"/>
-          </p:cNvSpPr>
-          <p:nvPr>
-            <p:ph type="title"/>
-          </p:nvPr>
-        </p:nvSpPr>
-        <p:spPr/>
-        <p:txBody>
-          <a:bodyPr/>
-          <a:lstStyle/>
-          <a:p>
-            <a:endParaRPr lang="en-GB"/>
-          </a:p>
-        </p:txBody>
-      </p:sp>
-      <p:sp>
-        <p:nvSpPr>
-          <p:cNvPr id="3" name="Content Placeholder 2">
-            <a:extLst>
-              <a:ext uri="{FF2B5EF4-FFF2-40B4-BE49-F238E27FC236}">
-                <a16:creationId xmlns:a16="http://schemas.microsoft.com/office/drawing/2014/main" id="{1EF59C50-F7BA-FE91-1D9E-1097F6B36459}"/>
-              </a:ext>
-            </a:extLst>
-          </p:cNvPr>
-          <p:cNvSpPr>
-            <a:spLocks noGrp="1"/>
-          </p:cNvSpPr>
-          <p:nvPr>
-            <p:ph idx="1"/>
-          </p:nvPr>
-        </p:nvSpPr>
-        <p:spPr/>
-        <p:txBody>
-          <a:bodyPr/>
-          <a:lstStyle/>
-          <a:p>
-            <a:endParaRPr lang="en-GB"/>
-          </a:p>
-        </p:txBody>
-      </p:sp>
-      <p:pic>
-        <p:nvPicPr>
-          <p:cNvPr id="4" name="Picture 3" descr="A screenshot of a graph&#10;&#10;Description automatically generated">
-            <a:extLst>
-              <a:ext uri="{FF2B5EF4-FFF2-40B4-BE49-F238E27FC236}">
-                <a16:creationId xmlns:a16="http://schemas.microsoft.com/office/drawing/2014/main" id="{596F04B6-E2B1-BD11-3EE7-AC89D55AF443}"/>
-              </a:ext>
-            </a:extLst>
-          </p:cNvPr>
-          <p:cNvPicPr>
-            <a:picLocks noChangeAspect="1"/>
-          </p:cNvPicPr>
+      <p:grpSp>
+        <p:nvGrpSpPr>
+          <p:cNvPr id="6" name="Group 5">
+            <a:extLst>
+              <a:ext uri="{FF2B5EF4-FFF2-40B4-BE49-F238E27FC236}">
+                <a16:creationId xmlns:a16="http://schemas.microsoft.com/office/drawing/2014/main" id="{A83F98DB-526B-EE7C-516B-724A1C675AAA}"/>
+              </a:ext>
+            </a:extLst>
+          </p:cNvPr>
+          <p:cNvGrpSpPr/>
           <p:nvPr/>
-        </p:nvPicPr>
-        <p:blipFill>
-          <a:blip r:embed="rId2">
-            <a:alphaModFix/>
-            <a:extLst>
-              <a:ext uri="{28A0092B-C50C-407E-A947-70E740481C1C}">
-                <a14:useLocalDpi xmlns:a14="http://schemas.microsoft.com/office/drawing/2010/main" val="0"/>
-              </a:ext>
-            </a:extLst>
-          </a:blip>
-          <a:stretch>
-            <a:fillRect/>
-          </a:stretch>
-        </p:blipFill>
-        <p:spPr>
+        </p:nvGrpSpPr>
+        <p:grpSpPr>
           <a:xfrm>
-            <a:off x="1754832" y="0"/>
-            <a:ext cx="9150238" cy="6858000"/>
+            <a:off x="1809134" y="722673"/>
+            <a:ext cx="8377085" cy="5530644"/>
+            <a:chOff x="1809134" y="722673"/>
+            <a:chExt cx="8377085" cy="5530644"/>
           </a:xfrm>
-          <a:prstGeom prst="rect">
-            <a:avLst/>
-          </a:prstGeom>
-        </p:spPr>
-      </p:pic>
+        </p:grpSpPr>
+        <p:grpSp>
+          <p:nvGrpSpPr>
+            <p:cNvPr id="24" name="Group 23">
+              <a:extLst>
+                <a:ext uri="{FF2B5EF4-FFF2-40B4-BE49-F238E27FC236}">
+                  <a16:creationId xmlns:a16="http://schemas.microsoft.com/office/drawing/2014/main" id="{FF7B5B47-E1A0-BCE2-738E-D61EE79C4141}"/>
+                </a:ext>
+              </a:extLst>
+            </p:cNvPr>
+            <p:cNvGrpSpPr/>
+            <p:nvPr/>
+          </p:nvGrpSpPr>
+          <p:grpSpPr>
+            <a:xfrm>
+              <a:off x="1809134" y="722673"/>
+              <a:ext cx="8377085" cy="5530644"/>
+              <a:chOff x="1809134" y="722673"/>
+              <a:chExt cx="8377085" cy="5530644"/>
+            </a:xfrm>
+          </p:grpSpPr>
+          <p:sp>
+            <p:nvSpPr>
+              <p:cNvPr id="22" name="Rectangle 21">
+                <a:extLst>
+                  <a:ext uri="{FF2B5EF4-FFF2-40B4-BE49-F238E27FC236}">
+                    <a16:creationId xmlns:a16="http://schemas.microsoft.com/office/drawing/2014/main" id="{094FD7C0-6770-FA4B-B5D8-76B3B569147D}"/>
+                  </a:ext>
+                </a:extLst>
+              </p:cNvPr>
+              <p:cNvSpPr/>
+              <p:nvPr/>
+            </p:nvSpPr>
+            <p:spPr>
+              <a:xfrm>
+                <a:off x="1809134" y="722673"/>
+                <a:ext cx="8377085" cy="5530644"/>
+              </a:xfrm>
+              <a:prstGeom prst="rect">
+                <a:avLst/>
+              </a:prstGeom>
+              <a:solidFill>
+                <a:schemeClr val="bg1"/>
+              </a:solidFill>
+              <a:ln>
+                <a:solidFill>
+                  <a:schemeClr val="bg1"/>
+                </a:solidFill>
+              </a:ln>
+            </p:spPr>
+            <p:style>
+              <a:lnRef idx="2">
+                <a:schemeClr val="accent1">
+                  <a:shade val="15000"/>
+                </a:schemeClr>
+              </a:lnRef>
+              <a:fillRef idx="1">
+                <a:schemeClr val="accent1"/>
+              </a:fillRef>
+              <a:effectRef idx="0">
+                <a:schemeClr val="accent1"/>
+              </a:effectRef>
+              <a:fontRef idx="minor">
+                <a:schemeClr val="lt1"/>
+              </a:fontRef>
+            </p:style>
+            <p:txBody>
+              <a:bodyPr rtlCol="0" anchor="ctr"/>
+              <a:lstStyle/>
+              <a:p>
+                <a:pPr algn="ctr"/>
+                <a:endParaRPr lang="en-US" dirty="0"/>
+              </a:p>
+            </p:txBody>
+          </p:sp>
+          <p:pic>
+            <p:nvPicPr>
+              <p:cNvPr id="3" name="Picture 2" descr="A diagram of a graph&#10;&#10;Description automatically generated with medium confidence">
+                <a:extLst>
+                  <a:ext uri="{FF2B5EF4-FFF2-40B4-BE49-F238E27FC236}">
+                    <a16:creationId xmlns:a16="http://schemas.microsoft.com/office/drawing/2014/main" id="{59C0EA6D-FA9C-8E16-B885-DE8A5E6227A3}"/>
+                  </a:ext>
+                </a:extLst>
+              </p:cNvPr>
+              <p:cNvPicPr>
+                <a:picLocks noChangeAspect="1"/>
+              </p:cNvPicPr>
+              <p:nvPr/>
+            </p:nvPicPr>
+            <p:blipFill rotWithShape="1">
+              <a:blip r:embed="rId2">
+                <a:alphaModFix/>
+                <a:extLst>
+                  <a:ext uri="{28A0092B-C50C-407E-A947-70E740481C1C}">
+                    <a14:useLocalDpi xmlns:a14="http://schemas.microsoft.com/office/drawing/2010/main" val="0"/>
+                  </a:ext>
+                </a:extLst>
+              </a:blip>
+              <a:srcRect l="11308" t="16667" r="6243" b="14787"/>
+              <a:stretch/>
+            </p:blipFill>
+            <p:spPr>
+              <a:xfrm>
+                <a:off x="2005781" y="1052052"/>
+                <a:ext cx="7374194" cy="4925961"/>
+              </a:xfrm>
+              <a:prstGeom prst="rect">
+                <a:avLst/>
+              </a:prstGeom>
+            </p:spPr>
+          </p:pic>
+          <p:cxnSp>
+            <p:nvCxnSpPr>
+              <p:cNvPr id="13" name="Straight Connector 12">
+                <a:extLst>
+                  <a:ext uri="{FF2B5EF4-FFF2-40B4-BE49-F238E27FC236}">
+                    <a16:creationId xmlns:a16="http://schemas.microsoft.com/office/drawing/2014/main" id="{7002D92B-9240-13E8-2652-CFA4DE846797}"/>
+                  </a:ext>
+                </a:extLst>
+              </p:cNvPr>
+              <p:cNvCxnSpPr/>
+              <p:nvPr/>
+            </p:nvCxnSpPr>
+            <p:spPr>
+              <a:xfrm>
+                <a:off x="9123294" y="1319916"/>
+                <a:ext cx="0" cy="150125"/>
+              </a:xfrm>
+              <a:prstGeom prst="line">
+                <a:avLst/>
+              </a:prstGeom>
+              <a:ln w="76200">
+                <a:solidFill>
+                  <a:schemeClr val="bg1">
+                    <a:lumMod val="50000"/>
+                  </a:schemeClr>
+                </a:solidFill>
+              </a:ln>
+            </p:spPr>
+            <p:style>
+              <a:lnRef idx="1">
+                <a:schemeClr val="accent1"/>
+              </a:lnRef>
+              <a:fillRef idx="0">
+                <a:schemeClr val="accent1"/>
+              </a:fillRef>
+              <a:effectRef idx="0">
+                <a:schemeClr val="accent1"/>
+              </a:effectRef>
+              <a:fontRef idx="minor">
+                <a:schemeClr val="tx1"/>
+              </a:fontRef>
+            </p:style>
+          </p:cxnSp>
+          <p:cxnSp>
+            <p:nvCxnSpPr>
+              <p:cNvPr id="14" name="Straight Connector 13">
+                <a:extLst>
+                  <a:ext uri="{FF2B5EF4-FFF2-40B4-BE49-F238E27FC236}">
+                    <a16:creationId xmlns:a16="http://schemas.microsoft.com/office/drawing/2014/main" id="{AEF9EE10-2010-42AC-D291-EF1BB8586092}"/>
+                  </a:ext>
+                </a:extLst>
+              </p:cNvPr>
+              <p:cNvCxnSpPr>
+                <a:cxnSpLocks/>
+              </p:cNvCxnSpPr>
+              <p:nvPr/>
+            </p:nvCxnSpPr>
+            <p:spPr>
+              <a:xfrm flipH="1">
+                <a:off x="9122656" y="1470041"/>
+                <a:ext cx="638" cy="100083"/>
+              </a:xfrm>
+              <a:prstGeom prst="line">
+                <a:avLst/>
+              </a:prstGeom>
+              <a:ln w="76200">
+                <a:solidFill>
+                  <a:schemeClr val="bg1">
+                    <a:lumMod val="75000"/>
+                  </a:schemeClr>
+                </a:solidFill>
+              </a:ln>
+            </p:spPr>
+            <p:style>
+              <a:lnRef idx="1">
+                <a:schemeClr val="accent1"/>
+              </a:lnRef>
+              <a:fillRef idx="0">
+                <a:schemeClr val="accent1"/>
+              </a:fillRef>
+              <a:effectRef idx="0">
+                <a:schemeClr val="accent1"/>
+              </a:effectRef>
+              <a:fontRef idx="minor">
+                <a:schemeClr val="tx1"/>
+              </a:fontRef>
+            </p:style>
+          </p:cxnSp>
+          <p:cxnSp>
+            <p:nvCxnSpPr>
+              <p:cNvPr id="16" name="Straight Connector 15">
+                <a:extLst>
+                  <a:ext uri="{FF2B5EF4-FFF2-40B4-BE49-F238E27FC236}">
+                    <a16:creationId xmlns:a16="http://schemas.microsoft.com/office/drawing/2014/main" id="{C5E1E39B-8E39-CA0F-86D8-70B02D672165}"/>
+                  </a:ext>
+                </a:extLst>
+              </p:cNvPr>
+              <p:cNvCxnSpPr>
+                <a:cxnSpLocks/>
+              </p:cNvCxnSpPr>
+              <p:nvPr/>
+            </p:nvCxnSpPr>
+            <p:spPr>
+              <a:xfrm>
+                <a:off x="9122656" y="1570124"/>
+                <a:ext cx="0" cy="344733"/>
+              </a:xfrm>
+              <a:prstGeom prst="line">
+                <a:avLst/>
+              </a:prstGeom>
+              <a:ln w="76200">
+                <a:solidFill>
+                  <a:schemeClr val="bg1">
+                    <a:lumMod val="50000"/>
+                  </a:schemeClr>
+                </a:solidFill>
+              </a:ln>
+            </p:spPr>
+            <p:style>
+              <a:lnRef idx="1">
+                <a:schemeClr val="accent1"/>
+              </a:lnRef>
+              <a:fillRef idx="0">
+                <a:schemeClr val="accent1"/>
+              </a:fillRef>
+              <a:effectRef idx="0">
+                <a:schemeClr val="accent1"/>
+              </a:effectRef>
+              <a:fontRef idx="minor">
+                <a:schemeClr val="tx1"/>
+              </a:fontRef>
+            </p:style>
+          </p:cxnSp>
+          <p:cxnSp>
+            <p:nvCxnSpPr>
+              <p:cNvPr id="19" name="Straight Connector 18">
+                <a:extLst>
+                  <a:ext uri="{FF2B5EF4-FFF2-40B4-BE49-F238E27FC236}">
+                    <a16:creationId xmlns:a16="http://schemas.microsoft.com/office/drawing/2014/main" id="{0755380D-B45A-E9DA-29DF-404B8C3E9E51}"/>
+                  </a:ext>
+                </a:extLst>
+              </p:cNvPr>
+              <p:cNvCxnSpPr>
+                <a:cxnSpLocks/>
+              </p:cNvCxnSpPr>
+              <p:nvPr/>
+            </p:nvCxnSpPr>
+            <p:spPr>
+              <a:xfrm>
+                <a:off x="9122656" y="1914857"/>
+                <a:ext cx="0" cy="311626"/>
+              </a:xfrm>
+              <a:prstGeom prst="line">
+                <a:avLst/>
+              </a:prstGeom>
+              <a:ln w="76200">
+                <a:solidFill>
+                  <a:schemeClr val="bg1">
+                    <a:lumMod val="75000"/>
+                  </a:schemeClr>
+                </a:solidFill>
+              </a:ln>
+            </p:spPr>
+            <p:style>
+              <a:lnRef idx="1">
+                <a:schemeClr val="accent1"/>
+              </a:lnRef>
+              <a:fillRef idx="0">
+                <a:schemeClr val="accent1"/>
+              </a:fillRef>
+              <a:effectRef idx="0">
+                <a:schemeClr val="accent1"/>
+              </a:effectRef>
+              <a:fontRef idx="minor">
+                <a:schemeClr val="tx1"/>
+              </a:fontRef>
+            </p:style>
+          </p:cxnSp>
+          <p:cxnSp>
+            <p:nvCxnSpPr>
+              <p:cNvPr id="21" name="Straight Connector 20">
+                <a:extLst>
+                  <a:ext uri="{FF2B5EF4-FFF2-40B4-BE49-F238E27FC236}">
+                    <a16:creationId xmlns:a16="http://schemas.microsoft.com/office/drawing/2014/main" id="{89BF2ECF-574C-B52F-0CD8-C767FAA6F02D}"/>
+                  </a:ext>
+                </a:extLst>
+              </p:cNvPr>
+              <p:cNvCxnSpPr>
+                <a:cxnSpLocks/>
+              </p:cNvCxnSpPr>
+              <p:nvPr/>
+            </p:nvCxnSpPr>
+            <p:spPr>
+              <a:xfrm>
+                <a:off x="9126230" y="2226483"/>
+                <a:ext cx="0" cy="389338"/>
+              </a:xfrm>
+              <a:prstGeom prst="line">
+                <a:avLst/>
+              </a:prstGeom>
+              <a:ln w="76200">
+                <a:solidFill>
+                  <a:schemeClr val="bg1">
+                    <a:lumMod val="50000"/>
+                  </a:schemeClr>
+                </a:solidFill>
+              </a:ln>
+            </p:spPr>
+            <p:style>
+              <a:lnRef idx="1">
+                <a:schemeClr val="accent1"/>
+              </a:lnRef>
+              <a:fillRef idx="0">
+                <a:schemeClr val="accent1"/>
+              </a:fillRef>
+              <a:effectRef idx="0">
+                <a:schemeClr val="accent1"/>
+              </a:effectRef>
+              <a:fontRef idx="minor">
+                <a:schemeClr val="tx1"/>
+              </a:fontRef>
+            </p:style>
+          </p:cxnSp>
+          <p:cxnSp>
+            <p:nvCxnSpPr>
+              <p:cNvPr id="23" name="Straight Connector 22">
+                <a:extLst>
+                  <a:ext uri="{FF2B5EF4-FFF2-40B4-BE49-F238E27FC236}">
+                    <a16:creationId xmlns:a16="http://schemas.microsoft.com/office/drawing/2014/main" id="{FEC6638F-0C58-448E-FFDA-5F98DA83CE88}"/>
+                  </a:ext>
+                </a:extLst>
+              </p:cNvPr>
+              <p:cNvCxnSpPr>
+                <a:cxnSpLocks/>
+              </p:cNvCxnSpPr>
+              <p:nvPr/>
+            </p:nvCxnSpPr>
+            <p:spPr>
+              <a:xfrm>
+                <a:off x="9123533" y="2603122"/>
+                <a:ext cx="0" cy="100083"/>
+              </a:xfrm>
+              <a:prstGeom prst="line">
+                <a:avLst/>
+              </a:prstGeom>
+              <a:ln w="76200">
+                <a:solidFill>
+                  <a:schemeClr val="bg1">
+                    <a:lumMod val="75000"/>
+                  </a:schemeClr>
+                </a:solidFill>
+              </a:ln>
+            </p:spPr>
+            <p:style>
+              <a:lnRef idx="1">
+                <a:schemeClr val="accent1"/>
+              </a:lnRef>
+              <a:fillRef idx="0">
+                <a:schemeClr val="accent1"/>
+              </a:fillRef>
+              <a:effectRef idx="0">
+                <a:schemeClr val="accent1"/>
+              </a:effectRef>
+              <a:fontRef idx="minor">
+                <a:schemeClr val="tx1"/>
+              </a:fontRef>
+            </p:style>
+          </p:cxnSp>
+          <p:cxnSp>
+            <p:nvCxnSpPr>
+              <p:cNvPr id="25" name="Straight Connector 24">
+                <a:extLst>
+                  <a:ext uri="{FF2B5EF4-FFF2-40B4-BE49-F238E27FC236}">
+                    <a16:creationId xmlns:a16="http://schemas.microsoft.com/office/drawing/2014/main" id="{483861B9-162C-A955-E8A8-548658EEE737}"/>
+                  </a:ext>
+                </a:extLst>
+              </p:cNvPr>
+              <p:cNvCxnSpPr>
+                <a:cxnSpLocks/>
+              </p:cNvCxnSpPr>
+              <p:nvPr/>
+            </p:nvCxnSpPr>
+            <p:spPr>
+              <a:xfrm>
+                <a:off x="9122656" y="2703205"/>
+                <a:ext cx="877" cy="1563995"/>
+              </a:xfrm>
+              <a:prstGeom prst="line">
+                <a:avLst/>
+              </a:prstGeom>
+              <a:ln w="76200">
+                <a:solidFill>
+                  <a:schemeClr val="bg1">
+                    <a:lumMod val="50000"/>
+                  </a:schemeClr>
+                </a:solidFill>
+              </a:ln>
+            </p:spPr>
+            <p:style>
+              <a:lnRef idx="1">
+                <a:schemeClr val="accent1"/>
+              </a:lnRef>
+              <a:fillRef idx="0">
+                <a:schemeClr val="accent1"/>
+              </a:fillRef>
+              <a:effectRef idx="0">
+                <a:schemeClr val="accent1"/>
+              </a:effectRef>
+              <a:fontRef idx="minor">
+                <a:schemeClr val="tx1"/>
+              </a:fontRef>
+            </p:style>
+          </p:cxnSp>
+          <p:cxnSp>
+            <p:nvCxnSpPr>
+              <p:cNvPr id="27" name="Straight Connector 26">
+                <a:extLst>
+                  <a:ext uri="{FF2B5EF4-FFF2-40B4-BE49-F238E27FC236}">
+                    <a16:creationId xmlns:a16="http://schemas.microsoft.com/office/drawing/2014/main" id="{A69C109B-F652-CA6D-A36D-4DC85E927E8F}"/>
+                  </a:ext>
+                </a:extLst>
+              </p:cNvPr>
+              <p:cNvCxnSpPr>
+                <a:cxnSpLocks/>
+              </p:cNvCxnSpPr>
+              <p:nvPr/>
+            </p:nvCxnSpPr>
+            <p:spPr>
+              <a:xfrm>
+                <a:off x="9123533" y="4267200"/>
+                <a:ext cx="0" cy="272955"/>
+              </a:xfrm>
+              <a:prstGeom prst="line">
+                <a:avLst/>
+              </a:prstGeom>
+              <a:ln w="76200">
+                <a:solidFill>
+                  <a:schemeClr val="bg1">
+                    <a:lumMod val="75000"/>
+                  </a:schemeClr>
+                </a:solidFill>
+              </a:ln>
+            </p:spPr>
+            <p:style>
+              <a:lnRef idx="1">
+                <a:schemeClr val="accent1"/>
+              </a:lnRef>
+              <a:fillRef idx="0">
+                <a:schemeClr val="accent1"/>
+              </a:fillRef>
+              <a:effectRef idx="0">
+                <a:schemeClr val="accent1"/>
+              </a:effectRef>
+              <a:fontRef idx="minor">
+                <a:schemeClr val="tx1"/>
+              </a:fontRef>
+            </p:style>
+          </p:cxnSp>
+          <p:cxnSp>
+            <p:nvCxnSpPr>
+              <p:cNvPr id="29" name="Straight Connector 28">
+                <a:extLst>
+                  <a:ext uri="{FF2B5EF4-FFF2-40B4-BE49-F238E27FC236}">
+                    <a16:creationId xmlns:a16="http://schemas.microsoft.com/office/drawing/2014/main" id="{36F9C03D-F2A1-2BB1-4A48-00FE1F7A0AE0}"/>
+                  </a:ext>
+                </a:extLst>
+              </p:cNvPr>
+              <p:cNvCxnSpPr>
+                <a:cxnSpLocks/>
+              </p:cNvCxnSpPr>
+              <p:nvPr/>
+            </p:nvCxnSpPr>
+            <p:spPr>
+              <a:xfrm>
+                <a:off x="9123533" y="4540155"/>
+                <a:ext cx="0" cy="332096"/>
+              </a:xfrm>
+              <a:prstGeom prst="line">
+                <a:avLst/>
+              </a:prstGeom>
+              <a:ln w="76200">
+                <a:solidFill>
+                  <a:schemeClr val="bg1">
+                    <a:lumMod val="50000"/>
+                  </a:schemeClr>
+                </a:solidFill>
+              </a:ln>
+            </p:spPr>
+            <p:style>
+              <a:lnRef idx="1">
+                <a:schemeClr val="accent1"/>
+              </a:lnRef>
+              <a:fillRef idx="0">
+                <a:schemeClr val="accent1"/>
+              </a:fillRef>
+              <a:effectRef idx="0">
+                <a:schemeClr val="accent1"/>
+              </a:effectRef>
+              <a:fontRef idx="minor">
+                <a:schemeClr val="tx1"/>
+              </a:fontRef>
+            </p:style>
+          </p:cxnSp>
+          <p:cxnSp>
+            <p:nvCxnSpPr>
+              <p:cNvPr id="31" name="Straight Connector 30">
+                <a:extLst>
+                  <a:ext uri="{FF2B5EF4-FFF2-40B4-BE49-F238E27FC236}">
+                    <a16:creationId xmlns:a16="http://schemas.microsoft.com/office/drawing/2014/main" id="{F6F07137-081E-D5D8-F30D-AB3A5DFD550A}"/>
+                  </a:ext>
+                </a:extLst>
+              </p:cNvPr>
+              <p:cNvCxnSpPr>
+                <a:cxnSpLocks/>
+              </p:cNvCxnSpPr>
+              <p:nvPr/>
+            </p:nvCxnSpPr>
+            <p:spPr>
+              <a:xfrm>
+                <a:off x="9123533" y="4872251"/>
+                <a:ext cx="0" cy="473122"/>
+              </a:xfrm>
+              <a:prstGeom prst="line">
+                <a:avLst/>
+              </a:prstGeom>
+              <a:ln w="76200">
+                <a:solidFill>
+                  <a:schemeClr val="bg1">
+                    <a:lumMod val="75000"/>
+                  </a:schemeClr>
+                </a:solidFill>
+              </a:ln>
+            </p:spPr>
+            <p:style>
+              <a:lnRef idx="1">
+                <a:schemeClr val="accent1"/>
+              </a:lnRef>
+              <a:fillRef idx="0">
+                <a:schemeClr val="accent1"/>
+              </a:fillRef>
+              <a:effectRef idx="0">
+                <a:schemeClr val="accent1"/>
+              </a:effectRef>
+              <a:fontRef idx="minor">
+                <a:schemeClr val="tx1"/>
+              </a:fontRef>
+            </p:style>
+          </p:cxnSp>
+          <p:sp>
+            <p:nvSpPr>
+              <p:cNvPr id="35" name="TextBox 34">
+                <a:extLst>
+                  <a:ext uri="{FF2B5EF4-FFF2-40B4-BE49-F238E27FC236}">
+                    <a16:creationId xmlns:a16="http://schemas.microsoft.com/office/drawing/2014/main" id="{78B37379-D16A-A4D0-E14F-47E4D0C0257E}"/>
+                  </a:ext>
+                </a:extLst>
+              </p:cNvPr>
+              <p:cNvSpPr txBox="1"/>
+              <p:nvPr/>
+            </p:nvSpPr>
+            <p:spPr>
+              <a:xfrm>
+                <a:off x="9163679" y="1288028"/>
+                <a:ext cx="474810" cy="230832"/>
+              </a:xfrm>
+              <a:prstGeom prst="rect">
+                <a:avLst/>
+              </a:prstGeom>
+              <a:noFill/>
+            </p:spPr>
+            <p:txBody>
+              <a:bodyPr wrap="none" rtlCol="0">
+                <a:spAutoFit/>
+              </a:bodyPr>
+              <a:lstStyle/>
+              <a:p>
+                <a:r>
+                  <a:rPr lang="en-GB" sz="900" dirty="0"/>
+                  <a:t>Bat LC</a:t>
+                </a:r>
+              </a:p>
+            </p:txBody>
+          </p:sp>
+          <p:sp>
+            <p:nvSpPr>
+              <p:cNvPr id="36" name="TextBox 35">
+                <a:extLst>
+                  <a:ext uri="{FF2B5EF4-FFF2-40B4-BE49-F238E27FC236}">
+                    <a16:creationId xmlns:a16="http://schemas.microsoft.com/office/drawing/2014/main" id="{F80D1DDD-CD58-1BE8-8631-EC62D70D27E7}"/>
+                  </a:ext>
+                </a:extLst>
+              </p:cNvPr>
+              <p:cNvSpPr txBox="1"/>
+              <p:nvPr/>
+            </p:nvSpPr>
+            <p:spPr>
+              <a:xfrm>
+                <a:off x="9162683" y="1421094"/>
+                <a:ext cx="774571" cy="230832"/>
+              </a:xfrm>
+              <a:prstGeom prst="rect">
+                <a:avLst/>
+              </a:prstGeom>
+              <a:noFill/>
+            </p:spPr>
+            <p:txBody>
+              <a:bodyPr wrap="none" rtlCol="0">
+                <a:spAutoFit/>
+              </a:bodyPr>
+              <a:lstStyle/>
+              <a:p>
+                <a:r>
+                  <a:rPr lang="en-GB" sz="900" dirty="0"/>
+                  <a:t>RAC-SK SCSK</a:t>
+                </a:r>
+              </a:p>
+            </p:txBody>
+          </p:sp>
+          <p:sp>
+            <p:nvSpPr>
+              <p:cNvPr id="37" name="TextBox 36">
+                <a:extLst>
+                  <a:ext uri="{FF2B5EF4-FFF2-40B4-BE49-F238E27FC236}">
+                    <a16:creationId xmlns:a16="http://schemas.microsoft.com/office/drawing/2014/main" id="{D13AF750-922E-DB21-7DE2-A5E8CEE5D4D1}"/>
+                  </a:ext>
+                </a:extLst>
+              </p:cNvPr>
+              <p:cNvSpPr txBox="1"/>
+              <p:nvPr/>
+            </p:nvSpPr>
+            <p:spPr>
+              <a:xfrm>
+                <a:off x="9163620" y="1645146"/>
+                <a:ext cx="623889" cy="230832"/>
+              </a:xfrm>
+              <a:prstGeom prst="rect">
+                <a:avLst/>
+              </a:prstGeom>
+              <a:noFill/>
+            </p:spPr>
+            <p:txBody>
+              <a:bodyPr wrap="none" rtlCol="0">
+                <a:spAutoFit/>
+              </a:bodyPr>
+              <a:lstStyle/>
+              <a:p>
+                <a:r>
+                  <a:rPr lang="en-GB" sz="900" dirty="0"/>
+                  <a:t>Bat EF-E2</a:t>
+                </a:r>
+              </a:p>
+            </p:txBody>
+          </p:sp>
+          <p:sp>
+            <p:nvSpPr>
+              <p:cNvPr id="38" name="TextBox 37">
+                <a:extLst>
+                  <a:ext uri="{FF2B5EF4-FFF2-40B4-BE49-F238E27FC236}">
+                    <a16:creationId xmlns:a16="http://schemas.microsoft.com/office/drawing/2014/main" id="{7E086031-8AB2-BDE6-4D05-A2CDE03AD9B2}"/>
+                  </a:ext>
+                </a:extLst>
+              </p:cNvPr>
+              <p:cNvSpPr txBox="1"/>
+              <p:nvPr/>
+            </p:nvSpPr>
+            <p:spPr>
+              <a:xfrm>
+                <a:off x="9160002" y="1984614"/>
+                <a:ext cx="542136" cy="230832"/>
+              </a:xfrm>
+              <a:prstGeom prst="rect">
+                <a:avLst/>
+              </a:prstGeom>
+              <a:noFill/>
+            </p:spPr>
+            <p:txBody>
+              <a:bodyPr wrap="none" rtlCol="0">
+                <a:spAutoFit/>
+              </a:bodyPr>
+              <a:lstStyle/>
+              <a:p>
+                <a:r>
+                  <a:rPr lang="en-GB" sz="900" dirty="0"/>
+                  <a:t>Bat TB1</a:t>
+                </a:r>
+              </a:p>
+            </p:txBody>
+          </p:sp>
+          <p:sp>
+            <p:nvSpPr>
+              <p:cNvPr id="39" name="TextBox 38">
+                <a:extLst>
+                  <a:ext uri="{FF2B5EF4-FFF2-40B4-BE49-F238E27FC236}">
+                    <a16:creationId xmlns:a16="http://schemas.microsoft.com/office/drawing/2014/main" id="{CEAD2CC1-58CB-B527-FCFA-6C13F5F8E9AC}"/>
+                  </a:ext>
+                </a:extLst>
+              </p:cNvPr>
+              <p:cNvSpPr txBox="1"/>
+              <p:nvPr/>
+            </p:nvSpPr>
+            <p:spPr>
+              <a:xfrm>
+                <a:off x="9160810" y="2324082"/>
+                <a:ext cx="498855" cy="230832"/>
+              </a:xfrm>
+              <a:prstGeom prst="rect">
+                <a:avLst/>
+              </a:prstGeom>
+              <a:noFill/>
+            </p:spPr>
+            <p:txBody>
+              <a:bodyPr wrap="none" rtlCol="0">
+                <a:spAutoFit/>
+              </a:bodyPr>
+              <a:lstStyle/>
+              <a:p>
+                <a:r>
+                  <a:rPr lang="en-GB" sz="900" dirty="0"/>
+                  <a:t>Bat DR</a:t>
+                </a:r>
+              </a:p>
+            </p:txBody>
+          </p:sp>
+          <p:sp>
+            <p:nvSpPr>
+              <p:cNvPr id="40" name="TextBox 39">
+                <a:extLst>
+                  <a:ext uri="{FF2B5EF4-FFF2-40B4-BE49-F238E27FC236}">
+                    <a16:creationId xmlns:a16="http://schemas.microsoft.com/office/drawing/2014/main" id="{874046C6-4ED4-7139-04D6-C6285BA77E98}"/>
+                  </a:ext>
+                </a:extLst>
+              </p:cNvPr>
+              <p:cNvSpPr txBox="1"/>
+              <p:nvPr/>
+            </p:nvSpPr>
+            <p:spPr>
+              <a:xfrm>
+                <a:off x="9157701" y="2566728"/>
+                <a:ext cx="809837" cy="230832"/>
+              </a:xfrm>
+              <a:prstGeom prst="rect">
+                <a:avLst/>
+              </a:prstGeom>
+              <a:noFill/>
+            </p:spPr>
+            <p:txBody>
+              <a:bodyPr wrap="none" rtlCol="0">
+                <a:spAutoFit/>
+              </a:bodyPr>
+              <a:lstStyle/>
+              <a:p>
+                <a:r>
+                  <a:rPr lang="en-GB" sz="900" dirty="0"/>
+                  <a:t>Cosmo AM2a</a:t>
+                </a:r>
+              </a:p>
+            </p:txBody>
+          </p:sp>
+          <p:sp>
+            <p:nvSpPr>
+              <p:cNvPr id="41" name="TextBox 40">
+                <a:extLst>
+                  <a:ext uri="{FF2B5EF4-FFF2-40B4-BE49-F238E27FC236}">
+                    <a16:creationId xmlns:a16="http://schemas.microsoft.com/office/drawing/2014/main" id="{637CAD4B-341A-ED93-6E3D-ECA4F738730E}"/>
+                  </a:ext>
+                </a:extLst>
+              </p:cNvPr>
+              <p:cNvSpPr txBox="1"/>
+              <p:nvPr/>
+            </p:nvSpPr>
+            <p:spPr>
+              <a:xfrm>
+                <a:off x="9160037" y="3313584"/>
+                <a:ext cx="769763" cy="230832"/>
+              </a:xfrm>
+              <a:prstGeom prst="rect">
+                <a:avLst/>
+              </a:prstGeom>
+              <a:noFill/>
+            </p:spPr>
+            <p:txBody>
+              <a:bodyPr wrap="none" rtlCol="0">
+                <a:spAutoFit/>
+              </a:bodyPr>
+              <a:lstStyle/>
+              <a:p>
+                <a:r>
+                  <a:rPr lang="en-GB" sz="900" dirty="0"/>
+                  <a:t>Cosmo AF1b</a:t>
+                </a:r>
+              </a:p>
+            </p:txBody>
+          </p:sp>
+          <p:sp>
+            <p:nvSpPr>
+              <p:cNvPr id="42" name="TextBox 41">
+                <a:extLst>
+                  <a:ext uri="{FF2B5EF4-FFF2-40B4-BE49-F238E27FC236}">
+                    <a16:creationId xmlns:a16="http://schemas.microsoft.com/office/drawing/2014/main" id="{A77025BD-271E-9CBD-FA73-F18490C6C4A2}"/>
+                  </a:ext>
+                </a:extLst>
+              </p:cNvPr>
+              <p:cNvSpPr txBox="1"/>
+              <p:nvPr/>
+            </p:nvSpPr>
+            <p:spPr>
+              <a:xfrm>
+                <a:off x="9166369" y="4284748"/>
+                <a:ext cx="753732" cy="230832"/>
+              </a:xfrm>
+              <a:prstGeom prst="rect">
+                <a:avLst/>
+              </a:prstGeom>
+              <a:noFill/>
+            </p:spPr>
+            <p:txBody>
+              <a:bodyPr wrap="none" rtlCol="0">
+                <a:spAutoFit/>
+              </a:bodyPr>
+              <a:lstStyle/>
+              <a:p>
+                <a:r>
+                  <a:rPr lang="en-GB" sz="900" dirty="0"/>
+                  <a:t>Asian SEA2a</a:t>
+                </a:r>
+              </a:p>
+            </p:txBody>
+          </p:sp>
+          <p:sp>
+            <p:nvSpPr>
+              <p:cNvPr id="43" name="TextBox 42">
+                <a:extLst>
+                  <a:ext uri="{FF2B5EF4-FFF2-40B4-BE49-F238E27FC236}">
+                    <a16:creationId xmlns:a16="http://schemas.microsoft.com/office/drawing/2014/main" id="{5A36E73B-1C41-DCD3-1662-EB4D79D46E70}"/>
+                  </a:ext>
+                </a:extLst>
+              </p:cNvPr>
+              <p:cNvSpPr txBox="1"/>
+              <p:nvPr/>
+            </p:nvSpPr>
+            <p:spPr>
+              <a:xfrm>
+                <a:off x="9157542" y="4993396"/>
+                <a:ext cx="753732" cy="230832"/>
+              </a:xfrm>
+              <a:prstGeom prst="rect">
+                <a:avLst/>
+              </a:prstGeom>
+              <a:noFill/>
+            </p:spPr>
+            <p:txBody>
+              <a:bodyPr wrap="none" rtlCol="0">
+                <a:spAutoFit/>
+              </a:bodyPr>
+              <a:lstStyle/>
+              <a:p>
+                <a:r>
+                  <a:rPr lang="en-GB" sz="900" dirty="0"/>
+                  <a:t>Asian SEA2a</a:t>
+                </a:r>
+              </a:p>
+            </p:txBody>
+          </p:sp>
+          <p:sp>
+            <p:nvSpPr>
+              <p:cNvPr id="44" name="TextBox 43">
+                <a:extLst>
+                  <a:ext uri="{FF2B5EF4-FFF2-40B4-BE49-F238E27FC236}">
+                    <a16:creationId xmlns:a16="http://schemas.microsoft.com/office/drawing/2014/main" id="{CB11D56D-9123-D6AF-B7C3-7F4004CB3446}"/>
+                  </a:ext>
+                </a:extLst>
+              </p:cNvPr>
+              <p:cNvSpPr txBox="1"/>
+              <p:nvPr/>
+            </p:nvSpPr>
+            <p:spPr>
+              <a:xfrm>
+                <a:off x="9156533" y="4605689"/>
+                <a:ext cx="753732" cy="230832"/>
+              </a:xfrm>
+              <a:prstGeom prst="rect">
+                <a:avLst/>
+              </a:prstGeom>
+              <a:noFill/>
+            </p:spPr>
+            <p:txBody>
+              <a:bodyPr wrap="none" rtlCol="0">
+                <a:spAutoFit/>
+              </a:bodyPr>
+              <a:lstStyle/>
+              <a:p>
+                <a:r>
+                  <a:rPr lang="en-GB" sz="900" dirty="0"/>
+                  <a:t>Asian SEA2b</a:t>
+                </a:r>
+              </a:p>
+            </p:txBody>
+          </p:sp>
+        </p:grpSp>
+        <p:cxnSp>
+          <p:nvCxnSpPr>
+            <p:cNvPr id="4" name="Straight Connector 3">
+              <a:extLst>
+                <a:ext uri="{FF2B5EF4-FFF2-40B4-BE49-F238E27FC236}">
+                  <a16:creationId xmlns:a16="http://schemas.microsoft.com/office/drawing/2014/main" id="{F3F0434E-2B6B-51BB-8586-3598146E7C42}"/>
+                </a:ext>
+              </a:extLst>
+            </p:cNvPr>
+            <p:cNvCxnSpPr/>
+            <p:nvPr/>
+          </p:nvCxnSpPr>
+          <p:spPr>
+            <a:xfrm>
+              <a:off x="9080500" y="1288028"/>
+              <a:ext cx="0" cy="4057345"/>
+            </a:xfrm>
+            <a:prstGeom prst="line">
+              <a:avLst/>
+            </a:prstGeom>
+            <a:ln w="12700">
+              <a:solidFill>
+                <a:schemeClr val="bg1"/>
+              </a:solidFill>
+            </a:ln>
+          </p:spPr>
+          <p:style>
+            <a:lnRef idx="1">
+              <a:schemeClr val="accent1"/>
+            </a:lnRef>
+            <a:fillRef idx="0">
+              <a:schemeClr val="accent1"/>
+            </a:fillRef>
+            <a:effectRef idx="0">
+              <a:schemeClr val="accent1"/>
+            </a:effectRef>
+            <a:fontRef idx="minor">
+              <a:schemeClr val="tx1"/>
+            </a:fontRef>
+          </p:style>
+        </p:cxnSp>
+        <p:cxnSp>
+          <p:nvCxnSpPr>
+            <p:cNvPr id="5" name="Straight Connector 4">
+              <a:extLst>
+                <a:ext uri="{FF2B5EF4-FFF2-40B4-BE49-F238E27FC236}">
+                  <a16:creationId xmlns:a16="http://schemas.microsoft.com/office/drawing/2014/main" id="{7EEB310C-1A7A-884B-3A6D-29CDF2428E02}"/>
+                </a:ext>
+              </a:extLst>
+            </p:cNvPr>
+            <p:cNvCxnSpPr/>
+            <p:nvPr/>
+          </p:nvCxnSpPr>
+          <p:spPr>
+            <a:xfrm>
+              <a:off x="9163050" y="1300728"/>
+              <a:ext cx="0" cy="4057345"/>
+            </a:xfrm>
+            <a:prstGeom prst="line">
+              <a:avLst/>
+            </a:prstGeom>
+            <a:ln w="12700">
+              <a:solidFill>
+                <a:schemeClr val="bg1"/>
+              </a:solidFill>
+            </a:ln>
+          </p:spPr>
+          <p:style>
+            <a:lnRef idx="1">
+              <a:schemeClr val="accent1"/>
+            </a:lnRef>
+            <a:fillRef idx="0">
+              <a:schemeClr val="accent1"/>
+            </a:fillRef>
+            <a:effectRef idx="0">
+              <a:schemeClr val="accent1"/>
+            </a:effectRef>
+            <a:fontRef idx="minor">
+              <a:schemeClr val="tx1"/>
+            </a:fontRef>
+          </p:style>
+        </p:cxnSp>
+      </p:grpSp>
     </p:spTree>
     <p:extLst>
       <p:ext uri="{BB962C8B-B14F-4D97-AF65-F5344CB8AC3E}">
-        <p14:creationId xmlns:p14="http://schemas.microsoft.com/office/powerpoint/2010/main" val="171850735"/>
+        <p14:creationId xmlns:p14="http://schemas.microsoft.com/office/powerpoint/2010/main" val="2447532241"/>
       </p:ext>
     </p:extLst>
   </p:cSld>
